--- a/JavaLecture/LectureFile/java 10강 패키지와 접근제어자_정답.pptx
+++ b/JavaLecture/LectureFile/java 10강 패키지와 접근제어자_정답.pptx
@@ -225,7 +225,7 @@
           <a:p>
             <a:fld id="{D79F2C30-10E1-4C46-91DC-BBDB9629E720}" type="datetimeFigureOut">
               <a:rPr lang="ko-KR" altLang="en-US" smtClean="0"/>
-              <a:t>2023-10-30 Monday</a:t>
+              <a:t>2024-04-04 Thursday</a:t>
             </a:fld>
             <a:endParaRPr lang="ko-KR" altLang="en-US"/>
           </a:p>
@@ -685,7 +685,7 @@
           <a:p>
             <a:fld id="{F8166F1F-CE9B-4651-A6AA-CD717754106B}" type="datetimeFigureOut">
               <a:rPr lang="en-US" smtClean="0"/>
-              <a:t>10/30/2023</a:t>
+              <a:t>4/4/2024</a:t>
             </a:fld>
             <a:endParaRPr lang="en-US"/>
           </a:p>
@@ -888,7 +888,7 @@
           <a:p>
             <a:fld id="{A76116CE-C4A3-4A05-B2D7-7C2E9A889C0F}" type="datetimeFigureOut">
               <a:rPr lang="en-US" smtClean="0"/>
-              <a:t>10/30/2023</a:t>
+              <a:t>4/4/2024</a:t>
             </a:fld>
             <a:endParaRPr lang="en-US"/>
           </a:p>
@@ -1091,7 +1091,7 @@
           <a:p>
             <a:fld id="{A76116CE-C4A3-4A05-B2D7-7C2E9A889C0F}" type="datetimeFigureOut">
               <a:rPr lang="en-US" smtClean="0"/>
-              <a:t>10/30/2023</a:t>
+              <a:t>4/4/2024</a:t>
             </a:fld>
             <a:endParaRPr lang="en-US"/>
           </a:p>
@@ -1296,7 +1296,7 @@
           <a:p>
             <a:fld id="{A76116CE-C4A3-4A05-B2D7-7C2E9A889C0F}" type="datetimeFigureOut">
               <a:rPr lang="en-US" smtClean="0"/>
-              <a:t>10/30/2023</a:t>
+              <a:t>4/4/2024</a:t>
             </a:fld>
             <a:endParaRPr lang="en-US"/>
           </a:p>
@@ -1566,7 +1566,7 @@
           <a:p>
             <a:fld id="{A76116CE-C4A3-4A05-B2D7-7C2E9A889C0F}" type="datetimeFigureOut">
               <a:rPr lang="en-US" smtClean="0"/>
-              <a:t>10/30/2023</a:t>
+              <a:t>4/4/2024</a:t>
             </a:fld>
             <a:endParaRPr lang="en-US"/>
           </a:p>
@@ -1884,7 +1884,7 @@
           <a:p>
             <a:fld id="{A76116CE-C4A3-4A05-B2D7-7C2E9A889C0F}" type="datetimeFigureOut">
               <a:rPr lang="en-US" smtClean="0"/>
-              <a:t>10/30/2023</a:t>
+              <a:t>4/4/2024</a:t>
             </a:fld>
             <a:endParaRPr lang="en-US"/>
           </a:p>
@@ -2342,7 +2342,7 @@
           <a:p>
             <a:fld id="{A76116CE-C4A3-4A05-B2D7-7C2E9A889C0F}" type="datetimeFigureOut">
               <a:rPr lang="en-US" smtClean="0"/>
-              <a:t>10/30/2023</a:t>
+              <a:t>4/4/2024</a:t>
             </a:fld>
             <a:endParaRPr lang="en-US"/>
           </a:p>
@@ -2486,7 +2486,7 @@
           <a:p>
             <a:fld id="{A76116CE-C4A3-4A05-B2D7-7C2E9A889C0F}" type="datetimeFigureOut">
               <a:rPr lang="en-US" smtClean="0"/>
-              <a:t>10/30/2023</a:t>
+              <a:t>4/4/2024</a:t>
             </a:fld>
             <a:endParaRPr lang="en-US"/>
           </a:p>
@@ -2600,7 +2600,7 @@
           <a:p>
             <a:fld id="{A76116CE-C4A3-4A05-B2D7-7C2E9A889C0F}" type="datetimeFigureOut">
               <a:rPr lang="en-US" smtClean="0"/>
-              <a:t>10/30/2023</a:t>
+              <a:t>4/4/2024</a:t>
             </a:fld>
             <a:endParaRPr lang="en-US"/>
           </a:p>
@@ -2903,7 +2903,7 @@
           <a:p>
             <a:fld id="{A76116CE-C4A3-4A05-B2D7-7C2E9A889C0F}" type="datetimeFigureOut">
               <a:rPr lang="en-US" smtClean="0"/>
-              <a:t>10/30/2023</a:t>
+              <a:t>4/4/2024</a:t>
             </a:fld>
             <a:endParaRPr lang="en-US"/>
           </a:p>
@@ -3183,7 +3183,7 @@
           <a:p>
             <a:fld id="{A76116CE-C4A3-4A05-B2D7-7C2E9A889C0F}" type="datetimeFigureOut">
               <a:rPr lang="en-US" smtClean="0"/>
-              <a:t>10/30/2023</a:t>
+              <a:t>4/4/2024</a:t>
             </a:fld>
             <a:endParaRPr lang="en-US"/>
           </a:p>
@@ -4455,7 +4455,7 @@
         <p:spPr>
           <a:xfrm>
             <a:off x="1281112" y="1333500"/>
-            <a:ext cx="16154400" cy="1323439"/>
+            <a:ext cx="16154400" cy="2677656"/>
           </a:xfrm>
           <a:prstGeom prst="rect">
             <a:avLst/>
@@ -4469,7 +4469,7 @@
           <a:lstStyle/>
           <a:p>
             <a:r>
-              <a:rPr lang="en-US" altLang="ko-KR" sz="4000" b="1">
+              <a:rPr lang="en-US" altLang="ko-KR" sz="4000" b="1" dirty="0">
                 <a:solidFill>
                   <a:srgbClr val="4C50BC"/>
                 </a:solidFill>
@@ -4479,7 +4479,7 @@
               <a:t>Time</a:t>
             </a:r>
             <a:r>
-              <a:rPr lang="ko-KR" altLang="en-US" sz="4000" b="1">
+              <a:rPr lang="ko-KR" altLang="en-US" sz="4000" b="1" dirty="0">
                 <a:solidFill>
                   <a:srgbClr val="4C50BC"/>
                 </a:solidFill>
@@ -4488,7 +4488,7 @@
               </a:rPr>
               <a:t>클래스를 만들어보자</a:t>
             </a:r>
-            <a:endParaRPr lang="en-US" altLang="ko-KR" sz="4000" b="1">
+            <a:endParaRPr lang="en-US" altLang="ko-KR" sz="4000" b="1" dirty="0">
               <a:solidFill>
                 <a:srgbClr val="4C50BC"/>
               </a:solidFill>
@@ -4497,43 +4497,290 @@
             </a:endParaRPr>
           </a:p>
           <a:p>
-            <a:r>
-              <a:rPr lang="en-US" altLang="ko-KR" sz="4000" b="1">
+            <a:pPr marL="457200" indent="-457200">
+              <a:buFontTx/>
+              <a:buChar char="-"/>
+            </a:pPr>
+            <a:r>
+              <a:rPr lang="ko-KR" altLang="en-US" sz="3200" dirty="0">
                 <a:solidFill>
                   <a:srgbClr val="4D4848"/>
                 </a:solidFill>
                 <a:latin typeface="G마켓 산스 Medium" panose="02000000000000000000" pitchFamily="50" charset="-127"/>
                 <a:ea typeface="G마켓 산스 Medium" panose="02000000000000000000" pitchFamily="50" charset="-127"/>
               </a:rPr>
-              <a:t>- </a:t>
-            </a:r>
-            <a:r>
-              <a:rPr lang="ko-KR" altLang="en-US" sz="4000" b="1">
+              <a:t>아래표를 보고 멤버변수와 </a:t>
+            </a:r>
+            <a:r>
+              <a:rPr lang="ko-KR" altLang="en-US" sz="3200" dirty="0" err="1">
                 <a:solidFill>
                   <a:srgbClr val="4D4848"/>
                 </a:solidFill>
                 <a:latin typeface="G마켓 산스 Medium" panose="02000000000000000000" pitchFamily="50" charset="-127"/>
                 <a:ea typeface="G마켓 산스 Medium" panose="02000000000000000000" pitchFamily="50" charset="-127"/>
               </a:rPr>
-              <a:t>아래표를 보고 멤버변수와 멤버메서드를 만들자</a:t>
-            </a:r>
-            <a:r>
-              <a:rPr lang="en-US" altLang="ko-KR" sz="4000" b="1">
+              <a:t>멤버메서드를</a:t>
+            </a:r>
+            <a:r>
+              <a:rPr lang="ko-KR" altLang="en-US" sz="3200" dirty="0">
                 <a:solidFill>
                   <a:srgbClr val="4D4848"/>
                 </a:solidFill>
                 <a:latin typeface="G마켓 산스 Medium" panose="02000000000000000000" pitchFamily="50" charset="-127"/>
                 <a:ea typeface="G마켓 산스 Medium" panose="02000000000000000000" pitchFamily="50" charset="-127"/>
               </a:rPr>
+              <a:t> 만들자</a:t>
+            </a:r>
+            <a:r>
+              <a:rPr lang="en-US" altLang="ko-KR" sz="3200" dirty="0">
+                <a:solidFill>
+                  <a:srgbClr val="4D4848"/>
+                </a:solidFill>
+                <a:latin typeface="G마켓 산스 Medium" panose="02000000000000000000" pitchFamily="50" charset="-127"/>
+                <a:ea typeface="G마켓 산스 Medium" panose="02000000000000000000" pitchFamily="50" charset="-127"/>
+              </a:rPr>
               <a:t>.</a:t>
             </a:r>
-            <a:endParaRPr lang="ko-KR" altLang="en-US" sz="4000" b="1">
-              <a:solidFill>
-                <a:srgbClr val="4D4848"/>
-              </a:solidFill>
-              <a:latin typeface="G마켓 산스 Medium" panose="02000000000000000000" pitchFamily="50" charset="-127"/>
-              <a:ea typeface="G마켓 산스 Medium" panose="02000000000000000000" pitchFamily="50" charset="-127"/>
-            </a:endParaRPr>
+          </a:p>
+          <a:p>
+            <a:pPr marL="457200" indent="-457200">
+              <a:buFontTx/>
+              <a:buChar char="-"/>
+            </a:pPr>
+            <a:r>
+              <a:rPr lang="en-US" altLang="ko-KR" sz="3200" dirty="0">
+                <a:solidFill>
+                  <a:srgbClr val="4D4848"/>
+                </a:solidFill>
+                <a:latin typeface="G마켓 산스 Medium" panose="02000000000000000000" pitchFamily="50" charset="-127"/>
+                <a:ea typeface="G마켓 산스 Medium" panose="02000000000000000000" pitchFamily="50" charset="-127"/>
+              </a:rPr>
+              <a:t>Object</a:t>
+            </a:r>
+            <a:r>
+              <a:rPr lang="ko-KR" altLang="en-US" sz="3200" dirty="0">
+                <a:solidFill>
+                  <a:srgbClr val="4D4848"/>
+                </a:solidFill>
+                <a:latin typeface="G마켓 산스 Medium" panose="02000000000000000000" pitchFamily="50" charset="-127"/>
+                <a:ea typeface="G마켓 산스 Medium" panose="02000000000000000000" pitchFamily="50" charset="-127"/>
+              </a:rPr>
+              <a:t>로 부터 상속받은 </a:t>
+            </a:r>
+            <a:r>
+              <a:rPr lang="en-US" altLang="ko-KR" sz="3200" dirty="0" err="1">
+                <a:solidFill>
+                  <a:srgbClr val="4D4848"/>
+                </a:solidFill>
+                <a:latin typeface="G마켓 산스 Medium" panose="02000000000000000000" pitchFamily="50" charset="-127"/>
+                <a:ea typeface="G마켓 산스 Medium" panose="02000000000000000000" pitchFamily="50" charset="-127"/>
+              </a:rPr>
+              <a:t>toString</a:t>
+            </a:r>
+            <a:r>
+              <a:rPr lang="en-US" altLang="ko-KR" sz="3200" dirty="0">
+                <a:solidFill>
+                  <a:srgbClr val="4D4848"/>
+                </a:solidFill>
+                <a:latin typeface="G마켓 산스 Medium" panose="02000000000000000000" pitchFamily="50" charset="-127"/>
+                <a:ea typeface="G마켓 산스 Medium" panose="02000000000000000000" pitchFamily="50" charset="-127"/>
+              </a:rPr>
+              <a:t> </a:t>
+            </a:r>
+            <a:r>
+              <a:rPr lang="ko-KR" altLang="en-US" sz="3200" dirty="0">
+                <a:solidFill>
+                  <a:srgbClr val="4D4848"/>
+                </a:solidFill>
+                <a:latin typeface="G마켓 산스 Medium" panose="02000000000000000000" pitchFamily="50" charset="-127"/>
+                <a:ea typeface="G마켓 산스 Medium" panose="02000000000000000000" pitchFamily="50" charset="-127"/>
+              </a:rPr>
+              <a:t>메서드를 </a:t>
+            </a:r>
+            <a:r>
+              <a:rPr lang="ko-KR" altLang="en-US" sz="3200" dirty="0" err="1">
+                <a:solidFill>
+                  <a:srgbClr val="4D4848"/>
+                </a:solidFill>
+                <a:latin typeface="G마켓 산스 Medium" panose="02000000000000000000" pitchFamily="50" charset="-127"/>
+                <a:ea typeface="G마켓 산스 Medium" panose="02000000000000000000" pitchFamily="50" charset="-127"/>
+              </a:rPr>
+              <a:t>오버라이딩</a:t>
+            </a:r>
+            <a:r>
+              <a:rPr lang="ko-KR" altLang="en-US" sz="3200" dirty="0">
+                <a:solidFill>
+                  <a:srgbClr val="4D4848"/>
+                </a:solidFill>
+                <a:latin typeface="G마켓 산스 Medium" panose="02000000000000000000" pitchFamily="50" charset="-127"/>
+                <a:ea typeface="G마켓 산스 Medium" panose="02000000000000000000" pitchFamily="50" charset="-127"/>
+              </a:rPr>
+              <a:t> 해보자</a:t>
+            </a:r>
+            <a:r>
+              <a:rPr lang="en-US" altLang="ko-KR" sz="3200" dirty="0">
+                <a:solidFill>
+                  <a:srgbClr val="4D4848"/>
+                </a:solidFill>
+                <a:latin typeface="G마켓 산스 Medium" panose="02000000000000000000" pitchFamily="50" charset="-127"/>
+                <a:ea typeface="G마켓 산스 Medium" panose="02000000000000000000" pitchFamily="50" charset="-127"/>
+              </a:rPr>
+              <a:t>.</a:t>
+            </a:r>
+          </a:p>
+          <a:p>
+            <a:r>
+              <a:rPr lang="en-US" altLang="ko-KR" sz="3200" dirty="0">
+                <a:solidFill>
+                  <a:srgbClr val="4D4848"/>
+                </a:solidFill>
+                <a:latin typeface="G마켓 산스 Medium" panose="02000000000000000000" pitchFamily="50" charset="-127"/>
+                <a:ea typeface="G마켓 산스 Medium" panose="02000000000000000000" pitchFamily="50" charset="-127"/>
+              </a:rPr>
+              <a:t>    </a:t>
+            </a:r>
+            <a:r>
+              <a:rPr lang="ko-KR" altLang="en-US" sz="3200" dirty="0">
+                <a:solidFill>
+                  <a:srgbClr val="4D4848"/>
+                </a:solidFill>
+                <a:latin typeface="G마켓 산스 Medium" panose="02000000000000000000" pitchFamily="50" charset="-127"/>
+                <a:ea typeface="G마켓 산스 Medium" panose="02000000000000000000" pitchFamily="50" charset="-127"/>
+              </a:rPr>
+              <a:t>원형은 </a:t>
+            </a:r>
+            <a:r>
+              <a:rPr lang="en-US" altLang="ko-KR" sz="3200" dirty="0">
+                <a:solidFill>
+                  <a:srgbClr val="4D4848"/>
+                </a:solidFill>
+                <a:latin typeface="G마켓 산스 Medium" panose="02000000000000000000" pitchFamily="50" charset="-127"/>
+                <a:ea typeface="G마켓 산스 Medium" panose="02000000000000000000" pitchFamily="50" charset="-127"/>
+              </a:rPr>
+              <a:t>public String </a:t>
+            </a:r>
+            <a:r>
+              <a:rPr lang="en-US" altLang="ko-KR" sz="3200" dirty="0" err="1">
+                <a:solidFill>
+                  <a:srgbClr val="4D4848"/>
+                </a:solidFill>
+                <a:latin typeface="G마켓 산스 Medium" panose="02000000000000000000" pitchFamily="50" charset="-127"/>
+                <a:ea typeface="G마켓 산스 Medium" panose="02000000000000000000" pitchFamily="50" charset="-127"/>
+              </a:rPr>
+              <a:t>toString</a:t>
+            </a:r>
+            <a:r>
+              <a:rPr lang="en-US" altLang="ko-KR" sz="3200" dirty="0">
+                <a:solidFill>
+                  <a:srgbClr val="4D4848"/>
+                </a:solidFill>
+                <a:latin typeface="G마켓 산스 Medium" panose="02000000000000000000" pitchFamily="50" charset="-127"/>
+                <a:ea typeface="G마켓 산스 Medium" panose="02000000000000000000" pitchFamily="50" charset="-127"/>
+              </a:rPr>
+              <a:t>()</a:t>
+            </a:r>
+            <a:r>
+              <a:rPr lang="ko-KR" altLang="en-US" sz="3200" dirty="0">
+                <a:solidFill>
+                  <a:srgbClr val="4D4848"/>
+                </a:solidFill>
+                <a:latin typeface="G마켓 산스 Medium" panose="02000000000000000000" pitchFamily="50" charset="-127"/>
+                <a:ea typeface="G마켓 산스 Medium" panose="02000000000000000000" pitchFamily="50" charset="-127"/>
+              </a:rPr>
+              <a:t>이며 </a:t>
+            </a:r>
+            <a:r>
+              <a:rPr lang="en-US" altLang="ko-KR" sz="3200" dirty="0">
+                <a:solidFill>
+                  <a:srgbClr val="4D4848"/>
+                </a:solidFill>
+                <a:latin typeface="G마켓 산스 Medium" panose="02000000000000000000" pitchFamily="50" charset="-127"/>
+                <a:ea typeface="G마켓 산스 Medium" panose="02000000000000000000" pitchFamily="50" charset="-127"/>
+              </a:rPr>
+              <a:t>IDE</a:t>
+            </a:r>
+            <a:r>
+              <a:rPr lang="ko-KR" altLang="en-US" sz="3200" dirty="0">
+                <a:solidFill>
+                  <a:srgbClr val="4D4848"/>
+                </a:solidFill>
+                <a:latin typeface="G마켓 산스 Medium" panose="02000000000000000000" pitchFamily="50" charset="-127"/>
+                <a:ea typeface="G마켓 산스 Medium" panose="02000000000000000000" pitchFamily="50" charset="-127"/>
+              </a:rPr>
+              <a:t>툴의 자동완성 기능을 이용하면 편리하다</a:t>
+            </a:r>
+            <a:r>
+              <a:rPr lang="en-US" altLang="ko-KR" sz="3200" dirty="0">
+                <a:solidFill>
+                  <a:srgbClr val="4D4848"/>
+                </a:solidFill>
+                <a:latin typeface="G마켓 산스 Medium" panose="02000000000000000000" pitchFamily="50" charset="-127"/>
+                <a:ea typeface="G마켓 산스 Medium" panose="02000000000000000000" pitchFamily="50" charset="-127"/>
+              </a:rPr>
+              <a:t>.</a:t>
+            </a:r>
+          </a:p>
+          <a:p>
+            <a:r>
+              <a:rPr lang="en-US" altLang="ko-KR" sz="3200" dirty="0">
+                <a:solidFill>
+                  <a:srgbClr val="4D4848"/>
+                </a:solidFill>
+                <a:latin typeface="G마켓 산스 Medium" panose="02000000000000000000" pitchFamily="50" charset="-127"/>
+                <a:ea typeface="G마켓 산스 Medium" panose="02000000000000000000" pitchFamily="50" charset="-127"/>
+              </a:rPr>
+              <a:t>    </a:t>
+            </a:r>
+            <a:r>
+              <a:rPr lang="en-US" altLang="ko-KR" sz="3200" dirty="0" err="1">
+                <a:solidFill>
+                  <a:srgbClr val="4D4848"/>
+                </a:solidFill>
+                <a:latin typeface="G마켓 산스 Medium" panose="02000000000000000000" pitchFamily="50" charset="-127"/>
+                <a:ea typeface="G마켓 산스 Medium" panose="02000000000000000000" pitchFamily="50" charset="-127"/>
+              </a:rPr>
+              <a:t>toString</a:t>
+            </a:r>
+            <a:r>
+              <a:rPr lang="ko-KR" altLang="en-US" sz="3200" dirty="0">
+                <a:solidFill>
+                  <a:srgbClr val="4D4848"/>
+                </a:solidFill>
+                <a:latin typeface="G마켓 산스 Medium" panose="02000000000000000000" pitchFamily="50" charset="-127"/>
+                <a:ea typeface="G마켓 산스 Medium" panose="02000000000000000000" pitchFamily="50" charset="-127"/>
+              </a:rPr>
+              <a:t>은 </a:t>
+            </a:r>
+            <a:r>
+              <a:rPr lang="ko-KR" altLang="en-US" sz="3200" dirty="0" err="1">
+                <a:solidFill>
+                  <a:srgbClr val="4D4848"/>
+                </a:solidFill>
+                <a:latin typeface="G마켓 산스 Medium" panose="02000000000000000000" pitchFamily="50" charset="-127"/>
+                <a:ea typeface="G마켓 산스 Medium" panose="02000000000000000000" pitchFamily="50" charset="-127"/>
+              </a:rPr>
+              <a:t>시분초를</a:t>
+            </a:r>
+            <a:r>
+              <a:rPr lang="ko-KR" altLang="en-US" sz="3200" dirty="0">
+                <a:solidFill>
+                  <a:srgbClr val="4D4848"/>
+                </a:solidFill>
+                <a:latin typeface="G마켓 산스 Medium" panose="02000000000000000000" pitchFamily="50" charset="-127"/>
+                <a:ea typeface="G마켓 산스 Medium" panose="02000000000000000000" pitchFamily="50" charset="-127"/>
+              </a:rPr>
+              <a:t> 적절한 문자열로 만들어 반환한다</a:t>
+            </a:r>
+            <a:r>
+              <a:rPr lang="en-US" altLang="ko-KR" sz="3200" dirty="0">
+                <a:solidFill>
+                  <a:srgbClr val="4D4848"/>
+                </a:solidFill>
+                <a:latin typeface="G마켓 산스 Medium" panose="02000000000000000000" pitchFamily="50" charset="-127"/>
+                <a:ea typeface="G마켓 산스 Medium" panose="02000000000000000000" pitchFamily="50" charset="-127"/>
+              </a:rPr>
+              <a:t>.</a:t>
+            </a:r>
           </a:p>
         </p:txBody>
       </p:sp>
@@ -4657,13 +4904,13 @@
           <p:nvPr>
             <p:extLst>
               <p:ext uri="{D42A27DB-BD31-4B8C-83A1-F6EECF244321}">
-                <p14:modId xmlns:p14="http://schemas.microsoft.com/office/powerpoint/2010/main" val="4031457389"/>
+                <p14:modId xmlns:p14="http://schemas.microsoft.com/office/powerpoint/2010/main" val="1161594377"/>
               </p:ext>
             </p:extLst>
           </p:nvPr>
         </p:nvGraphicFramePr>
         <p:xfrm>
-          <a:off x="7772400" y="2933700"/>
+          <a:off x="7772400" y="4112455"/>
           <a:ext cx="9982199" cy="2133600"/>
         </p:xfrm>
         <a:graphic>
@@ -5665,7 +5912,7 @@
         </p:blipFill>
         <p:spPr>
           <a:xfrm>
-            <a:off x="584200" y="2933700"/>
+            <a:off x="584200" y="4112455"/>
             <a:ext cx="6883400" cy="3657600"/>
           </a:xfrm>
           <a:prstGeom prst="rect">
@@ -5689,7 +5936,7 @@
         </p:blipFill>
         <p:spPr>
           <a:xfrm>
-            <a:off x="762000" y="6667500"/>
+            <a:off x="762000" y="7846255"/>
             <a:ext cx="4854324" cy="2402645"/>
           </a:xfrm>
           <a:prstGeom prst="rect">
@@ -6364,7 +6611,7 @@
           <a:lstStyle/>
           <a:p>
             <a:r>
-              <a:rPr lang="ko-KR" altLang="en-US" sz="3200" b="1">
+              <a:rPr lang="ko-KR" altLang="en-US" sz="3200" b="1" dirty="0">
                 <a:solidFill>
                   <a:srgbClr val="4C50BC"/>
                 </a:solidFill>
@@ -6374,7 +6621,7 @@
               <a:t>앞서 만든 </a:t>
             </a:r>
             <a:r>
-              <a:rPr lang="en-US" altLang="ko-KR" sz="3200" b="1">
+              <a:rPr lang="en-US" altLang="ko-KR" sz="3200" b="1" dirty="0">
                 <a:solidFill>
                   <a:srgbClr val="4C50BC"/>
                 </a:solidFill>
@@ -6384,7 +6631,7 @@
               <a:t>Time </a:t>
             </a:r>
             <a:r>
-              <a:rPr lang="ko-KR" altLang="en-US" sz="3200" b="1">
+              <a:rPr lang="ko-KR" altLang="en-US" sz="3200" b="1" dirty="0">
                 <a:solidFill>
                   <a:srgbClr val="4C50BC"/>
                 </a:solidFill>
@@ -6393,7 +6640,7 @@
               </a:rPr>
               <a:t>클래스를 개선해보자 </a:t>
             </a:r>
-            <a:endParaRPr lang="en-US" altLang="ko-KR" sz="3200" b="1">
+            <a:endParaRPr lang="en-US" altLang="ko-KR" sz="3200" b="1" dirty="0">
               <a:solidFill>
                 <a:srgbClr val="4C50BC"/>
               </a:solidFill>
@@ -6407,7 +6654,7 @@
               <a:buChar char="-"/>
             </a:pPr>
             <a:r>
-              <a:rPr lang="ko-KR" altLang="en-US" sz="3200">
+              <a:rPr lang="ko-KR" altLang="en-US" sz="3200" dirty="0">
                 <a:solidFill>
                   <a:schemeClr val="bg1">
                     <a:lumMod val="50000"/>
@@ -6419,7 +6666,7 @@
               <a:t>현재 멤버변수 </a:t>
             </a:r>
             <a:r>
-              <a:rPr lang="en-US" altLang="ko-KR" sz="3200">
+              <a:rPr lang="en-US" altLang="ko-KR" sz="3200" dirty="0">
                 <a:solidFill>
                   <a:schemeClr val="bg1">
                     <a:lumMod val="50000"/>
@@ -6431,7 +6678,7 @@
               <a:t>hour minute second</a:t>
             </a:r>
             <a:r>
-              <a:rPr lang="ko-KR" altLang="en-US" sz="3200">
+              <a:rPr lang="ko-KR" altLang="en-US" sz="3200" dirty="0">
                 <a:solidFill>
                   <a:schemeClr val="bg1">
                     <a:lumMod val="50000"/>
@@ -6440,10 +6687,10 @@
                 <a:latin typeface="G마켓 산스 Medium" panose="02000000000000000000" pitchFamily="50" charset="-127"/>
                 <a:ea typeface="G마켓 산스 Medium" panose="02000000000000000000" pitchFamily="50" charset="-127"/>
               </a:rPr>
-              <a:t>등등은 접근제어가 디폴트 이기에 클래스 외부에서 맘대로 값을 넣을수 있다</a:t>
-            </a:r>
-            <a:r>
-              <a:rPr lang="en-US" altLang="ko-KR" sz="3200">
+              <a:t>등등은 접근제어가 디폴트 이기에 클래스 외부에서 마음대로 값을 넣을 수 있다</a:t>
+            </a:r>
+            <a:r>
+              <a:rPr lang="en-US" altLang="ko-KR" sz="3200" dirty="0">
                 <a:solidFill>
                   <a:schemeClr val="bg1">
                     <a:lumMod val="50000"/>
@@ -6461,7 +6708,7 @@
               <a:buChar char="-"/>
             </a:pPr>
             <a:r>
-              <a:rPr lang="ko-KR" altLang="en-US" sz="3200">
+              <a:rPr lang="ko-KR" altLang="en-US" sz="3200" dirty="0">
                 <a:solidFill>
                   <a:schemeClr val="bg1">
                     <a:lumMod val="50000"/>
@@ -6473,7 +6720,7 @@
               <a:t>하지만 </a:t>
             </a:r>
             <a:r>
-              <a:rPr lang="en-US" altLang="ko-KR" sz="3200">
+              <a:rPr lang="en-US" altLang="ko-KR" sz="3200" dirty="0">
                 <a:solidFill>
                   <a:schemeClr val="bg1">
                     <a:lumMod val="50000"/>
@@ -6485,7 +6732,7 @@
               <a:t>hour :</a:t>
             </a:r>
             <a:r>
-              <a:rPr lang="ko-KR" altLang="en-US" sz="3200">
+              <a:rPr lang="ko-KR" altLang="en-US" sz="3200" dirty="0">
                 <a:solidFill>
                   <a:schemeClr val="bg1">
                     <a:lumMod val="50000"/>
@@ -6497,7 +6744,7 @@
               <a:t> </a:t>
             </a:r>
             <a:r>
-              <a:rPr lang="en-US" altLang="ko-KR" sz="3200">
+              <a:rPr lang="en-US" altLang="ko-KR" sz="3200" dirty="0">
                 <a:solidFill>
                   <a:schemeClr val="bg1">
                     <a:lumMod val="50000"/>
@@ -6509,7 +6756,7 @@
               <a:t>0~23 minute</a:t>
             </a:r>
             <a:r>
-              <a:rPr lang="ko-KR" altLang="en-US" sz="3200">
+              <a:rPr lang="ko-KR" altLang="en-US" sz="3200" dirty="0">
                 <a:solidFill>
                   <a:schemeClr val="bg1">
                     <a:lumMod val="50000"/>
@@ -6521,7 +6768,7 @@
               <a:t> </a:t>
             </a:r>
             <a:r>
-              <a:rPr lang="en-US" altLang="ko-KR" sz="3200">
+              <a:rPr lang="en-US" altLang="ko-KR" sz="3200" dirty="0">
                 <a:solidFill>
                   <a:schemeClr val="bg1">
                     <a:lumMod val="50000"/>
@@ -6533,7 +6780,7 @@
               <a:t>:0~59 second : 0~59</a:t>
             </a:r>
             <a:r>
-              <a:rPr lang="ko-KR" altLang="en-US" sz="3200">
+              <a:rPr lang="ko-KR" altLang="en-US" sz="3200" dirty="0">
                 <a:solidFill>
                   <a:schemeClr val="bg1">
                     <a:lumMod val="50000"/>
@@ -6545,7 +6792,7 @@
               <a:t>로 값 입력을 제한해야 한다</a:t>
             </a:r>
             <a:r>
-              <a:rPr lang="en-US" altLang="ko-KR" sz="3200">
+              <a:rPr lang="en-US" altLang="ko-KR" sz="3200" dirty="0">
                 <a:solidFill>
                   <a:schemeClr val="bg1">
                     <a:lumMod val="50000"/>
@@ -6563,7 +6810,7 @@
               <a:buChar char="-"/>
             </a:pPr>
             <a:r>
-              <a:rPr lang="ko-KR" altLang="en-US" sz="3200">
+              <a:rPr lang="ko-KR" altLang="en-US" sz="3200" dirty="0">
                 <a:solidFill>
                   <a:schemeClr val="bg1">
                     <a:lumMod val="50000"/>
@@ -6572,10 +6819,10 @@
                 <a:latin typeface="G마켓 산스 Medium" panose="02000000000000000000" pitchFamily="50" charset="-127"/>
                 <a:ea typeface="G마켓 산스 Medium" panose="02000000000000000000" pitchFamily="50" charset="-127"/>
               </a:rPr>
-              <a:t>외부에서 멤버변수에 직접 접근을 할수 있다면 값을 필터링 할수 없다</a:t>
-            </a:r>
-            <a:r>
-              <a:rPr lang="en-US" altLang="ko-KR" sz="3200">
+              <a:t>외부에서 멤버변수에 직접 접근을 할 수 있다면 값을 필터링 할 수 없다</a:t>
+            </a:r>
+            <a:r>
+              <a:rPr lang="en-US" altLang="ko-KR" sz="3200" dirty="0">
                 <a:solidFill>
                   <a:schemeClr val="bg1">
                     <a:lumMod val="50000"/>
@@ -6589,7 +6836,7 @@
           </a:p>
           <a:p>
             <a:r>
-              <a:rPr lang="ko-KR" altLang="en-US" sz="3200">
+              <a:rPr lang="ko-KR" altLang="en-US" sz="3200" dirty="0">
                 <a:solidFill>
                   <a:schemeClr val="bg1">
                     <a:lumMod val="50000"/>
@@ -6601,7 +6848,7 @@
               <a:t>따라서 </a:t>
             </a:r>
             <a:r>
-              <a:rPr lang="en-US" altLang="ko-KR" sz="3200">
+              <a:rPr lang="en-US" altLang="ko-KR" sz="3200" dirty="0">
                 <a:solidFill>
                   <a:schemeClr val="bg1">
                     <a:lumMod val="50000"/>
@@ -6613,7 +6860,7 @@
               <a:t>private</a:t>
             </a:r>
             <a:r>
-              <a:rPr lang="ko-KR" altLang="en-US" sz="3200">
+              <a:rPr lang="ko-KR" altLang="en-US" sz="3200" dirty="0">
                 <a:solidFill>
                   <a:schemeClr val="bg1">
                     <a:lumMod val="50000"/>
@@ -6625,7 +6872,7 @@
               <a:t>으로 막고 메서드를 통해 값을 초기화 하도록 해서 필터링을 해야 한다</a:t>
             </a:r>
             <a:r>
-              <a:rPr lang="en-US" altLang="ko-KR" sz="3200">
+              <a:rPr lang="en-US" altLang="ko-KR" sz="3200" dirty="0">
                 <a:solidFill>
                   <a:schemeClr val="bg1">
                     <a:lumMod val="50000"/>
@@ -7778,7 +8025,7 @@
         <p:spPr>
           <a:xfrm>
             <a:off x="457200" y="1193542"/>
-            <a:ext cx="16078200" cy="5016758"/>
+            <a:ext cx="17526000" cy="5016758"/>
           </a:xfrm>
           <a:prstGeom prst="rect">
             <a:avLst/>
@@ -7792,14 +8039,14 @@
           <a:lstStyle/>
           <a:p>
             <a:r>
-              <a:rPr lang="ko-KR" altLang="en-US" sz="3200">
+              <a:rPr lang="ko-KR" altLang="en-US" sz="3200" dirty="0" err="1">
                 <a:solidFill>
                   <a:srgbClr val="4C50BC"/>
                 </a:solidFill>
                 <a:latin typeface="G마켓 산스 Medium" panose="02000000000000000000" pitchFamily="50" charset="-127"/>
                 <a:ea typeface="G마켓 산스 Medium" panose="02000000000000000000" pitchFamily="50" charset="-127"/>
               </a:rPr>
-              <a:t>싱글톤 </a:t>
+              <a:t>싱글톤</a:t>
             </a:r>
             <a:r>
               <a:rPr lang="ko-KR" altLang="en-US" sz="3200" dirty="0">
@@ -7809,7 +8056,7 @@
                 <a:latin typeface="G마켓 산스 Medium" panose="02000000000000000000" pitchFamily="50" charset="-127"/>
                 <a:ea typeface="G마켓 산스 Medium" panose="02000000000000000000" pitchFamily="50" charset="-127"/>
               </a:rPr>
-              <a:t>패턴 만들기</a:t>
+              <a:t> 패턴 만들기</a:t>
             </a:r>
             <a:endParaRPr lang="en-US" altLang="ko-KR" sz="3200" dirty="0">
               <a:solidFill>
@@ -7821,7 +8068,7 @@
           </a:p>
           <a:p>
             <a:r>
-              <a:rPr lang="en-US" altLang="ko-KR" sz="3200" err="1">
+              <a:rPr lang="en-US" altLang="ko-KR" sz="3200" dirty="0" err="1">
                 <a:solidFill>
                   <a:schemeClr val="tx1">
                     <a:lumMod val="50000"/>
@@ -7834,7 +8081,7 @@
               <a:t>serverConnection</a:t>
             </a:r>
             <a:r>
-              <a:rPr lang="en-US" altLang="ko-KR" sz="3200">
+              <a:rPr lang="en-US" altLang="ko-KR" sz="3200" dirty="0">
                 <a:solidFill>
                   <a:schemeClr val="tx1">
                     <a:lumMod val="50000"/>
@@ -7847,7 +8094,7 @@
               <a:t> </a:t>
             </a:r>
             <a:r>
-              <a:rPr lang="ko-KR" altLang="en-US" sz="3200">
+              <a:rPr lang="ko-KR" altLang="en-US" sz="3200" dirty="0">
                 <a:solidFill>
                   <a:schemeClr val="tx1">
                     <a:lumMod val="50000"/>
@@ -7857,10 +8104,10 @@
                 <a:latin typeface="G마켓 산스 Medium" panose="02000000000000000000" pitchFamily="50" charset="-127"/>
                 <a:ea typeface="G마켓 산스 Medium" panose="02000000000000000000" pitchFamily="50" charset="-127"/>
               </a:rPr>
-              <a:t>클래스를 </a:t>
-            </a:r>
-            <a:r>
-              <a:rPr lang="ko-KR" altLang="en-US" sz="3200" dirty="0">
+              <a:t>클래스를 만들자</a:t>
+            </a:r>
+            <a:r>
+              <a:rPr lang="en-US" altLang="ko-KR" sz="3200" dirty="0">
                 <a:solidFill>
                   <a:schemeClr val="tx1">
                     <a:lumMod val="50000"/>
@@ -7870,10 +8117,10 @@
                 <a:latin typeface="G마켓 산스 Medium" panose="02000000000000000000" pitchFamily="50" charset="-127"/>
                 <a:ea typeface="G마켓 산스 Medium" panose="02000000000000000000" pitchFamily="50" charset="-127"/>
               </a:rPr>
-              <a:t>만들자</a:t>
-            </a:r>
-            <a:r>
-              <a:rPr lang="en-US" altLang="ko-KR" sz="3200" dirty="0">
+              <a:t>. </a:t>
+            </a:r>
+            <a:r>
+              <a:rPr lang="ko-KR" altLang="en-US" sz="3200" dirty="0">
                 <a:solidFill>
                   <a:schemeClr val="tx1">
                     <a:lumMod val="50000"/>
@@ -7883,10 +8130,10 @@
                 <a:latin typeface="G마켓 산스 Medium" panose="02000000000000000000" pitchFamily="50" charset="-127"/>
                 <a:ea typeface="G마켓 산스 Medium" panose="02000000000000000000" pitchFamily="50" charset="-127"/>
               </a:rPr>
-              <a:t>. </a:t>
-            </a:r>
-            <a:r>
-              <a:rPr lang="ko-KR" altLang="en-US" sz="3200">
+              <a:t>해당 클래스는 프로그램이 서버와 통신하기 위한 기능을 </a:t>
+            </a:r>
+            <a:r>
+              <a:rPr lang="ko-KR" altLang="en-US" sz="3200" dirty="0" err="1">
                 <a:solidFill>
                   <a:schemeClr val="tx1">
                     <a:lumMod val="50000"/>
@@ -7896,10 +8143,10 @@
                 <a:latin typeface="G마켓 산스 Medium" panose="02000000000000000000" pitchFamily="50" charset="-127"/>
                 <a:ea typeface="G마켓 산스 Medium" panose="02000000000000000000" pitchFamily="50" charset="-127"/>
               </a:rPr>
-              <a:t>해당 클래스는 </a:t>
-            </a:r>
-            <a:r>
-              <a:rPr lang="ko-KR" altLang="en-US" sz="3200" dirty="0">
+              <a:t>만들것이다</a:t>
+            </a:r>
+            <a:r>
+              <a:rPr lang="en-US" altLang="ko-KR" sz="3200" dirty="0">
                 <a:solidFill>
                   <a:schemeClr val="tx1">
                     <a:lumMod val="50000"/>
@@ -7909,10 +8156,12 @@
                 <a:latin typeface="G마켓 산스 Medium" panose="02000000000000000000" pitchFamily="50" charset="-127"/>
                 <a:ea typeface="G마켓 산스 Medium" panose="02000000000000000000" pitchFamily="50" charset="-127"/>
               </a:rPr>
-              <a:t>프로그램이 서버와 통신하기 </a:t>
-            </a:r>
-            <a:r>
-              <a:rPr lang="ko-KR" altLang="en-US" sz="3200">
+              <a:t>. </a:t>
+            </a:r>
+          </a:p>
+          <a:p>
+            <a:r>
+              <a:rPr lang="ko-KR" altLang="en-US" sz="3200" dirty="0">
                 <a:solidFill>
                   <a:schemeClr val="tx1">
                     <a:lumMod val="50000"/>
@@ -7922,10 +8171,10 @@
                 <a:latin typeface="G마켓 산스 Medium" panose="02000000000000000000" pitchFamily="50" charset="-127"/>
                 <a:ea typeface="G마켓 산스 Medium" panose="02000000000000000000" pitchFamily="50" charset="-127"/>
               </a:rPr>
-              <a:t>위한 기능을 만들것이다</a:t>
-            </a:r>
-            <a:r>
-              <a:rPr lang="en-US" altLang="ko-KR" sz="3200">
+              <a:t>일반적으로 이런 클래스는 여러 개의 객체가 생성되지 못하게 막아 한 개의 객체를 돌려쓰며  서버의 자원을 절약한다</a:t>
+            </a:r>
+            <a:r>
+              <a:rPr lang="en-US" altLang="ko-KR" sz="3200" dirty="0">
                 <a:solidFill>
                   <a:schemeClr val="tx1">
                     <a:lumMod val="50000"/>
@@ -7935,20 +8184,8 @@
                 <a:latin typeface="G마켓 산스 Medium" panose="02000000000000000000" pitchFamily="50" charset="-127"/>
                 <a:ea typeface="G마켓 산스 Medium" panose="02000000000000000000" pitchFamily="50" charset="-127"/>
               </a:rPr>
-              <a:t>. </a:t>
-            </a:r>
-            <a:endParaRPr lang="en-US" altLang="ko-KR" sz="3200" dirty="0">
-              <a:solidFill>
-                <a:schemeClr val="tx1">
-                  <a:lumMod val="50000"/>
-                  <a:lumOff val="50000"/>
-                </a:schemeClr>
-              </a:solidFill>
-              <a:latin typeface="G마켓 산스 Medium" panose="02000000000000000000" pitchFamily="50" charset="-127"/>
-              <a:ea typeface="G마켓 산스 Medium" panose="02000000000000000000" pitchFamily="50" charset="-127"/>
-            </a:endParaRPr>
-          </a:p>
-          <a:p>
+              <a:t>.  </a:t>
+            </a:r>
             <a:r>
               <a:rPr lang="ko-KR" altLang="en-US" sz="3200" dirty="0">
                 <a:solidFill>
@@ -7960,85 +8197,7 @@
                 <a:latin typeface="G마켓 산스 Medium" panose="02000000000000000000" pitchFamily="50" charset="-127"/>
                 <a:ea typeface="G마켓 산스 Medium" panose="02000000000000000000" pitchFamily="50" charset="-127"/>
               </a:rPr>
-              <a:t>일반적으로 이런 </a:t>
-            </a:r>
-            <a:r>
-              <a:rPr lang="ko-KR" altLang="en-US" sz="3200">
-                <a:solidFill>
-                  <a:schemeClr val="tx1">
-                    <a:lumMod val="50000"/>
-                    <a:lumOff val="50000"/>
-                  </a:schemeClr>
-                </a:solidFill>
-                <a:latin typeface="G마켓 산스 Medium" panose="02000000000000000000" pitchFamily="50" charset="-127"/>
-                <a:ea typeface="G마켓 산스 Medium" panose="02000000000000000000" pitchFamily="50" charset="-127"/>
-              </a:rPr>
-              <a:t>클래스는 여러 개의 객체가 생성되지 못하게 막아 한 개의 객체를 돌려쓰며  서버의 </a:t>
-            </a:r>
-            <a:r>
-              <a:rPr lang="ko-KR" altLang="en-US" sz="3200" dirty="0">
-                <a:solidFill>
-                  <a:schemeClr val="tx1">
-                    <a:lumMod val="50000"/>
-                    <a:lumOff val="50000"/>
-                  </a:schemeClr>
-                </a:solidFill>
-                <a:latin typeface="G마켓 산스 Medium" panose="02000000000000000000" pitchFamily="50" charset="-127"/>
-                <a:ea typeface="G마켓 산스 Medium" panose="02000000000000000000" pitchFamily="50" charset="-127"/>
-              </a:rPr>
-              <a:t>자원을 </a:t>
-            </a:r>
-            <a:r>
-              <a:rPr lang="ko-KR" altLang="en-US" sz="3200">
-                <a:solidFill>
-                  <a:schemeClr val="tx1">
-                    <a:lumMod val="50000"/>
-                    <a:lumOff val="50000"/>
-                  </a:schemeClr>
-                </a:solidFill>
-                <a:latin typeface="G마켓 산스 Medium" panose="02000000000000000000" pitchFamily="50" charset="-127"/>
-                <a:ea typeface="G마켓 산스 Medium" panose="02000000000000000000" pitchFamily="50" charset="-127"/>
-              </a:rPr>
-              <a:t>절약한다</a:t>
-            </a:r>
-            <a:r>
-              <a:rPr lang="en-US" altLang="ko-KR" sz="3200">
-                <a:solidFill>
-                  <a:schemeClr val="tx1">
-                    <a:lumMod val="50000"/>
-                    <a:lumOff val="50000"/>
-                  </a:schemeClr>
-                </a:solidFill>
-                <a:latin typeface="G마켓 산스 Medium" panose="02000000000000000000" pitchFamily="50" charset="-127"/>
-                <a:ea typeface="G마켓 산스 Medium" panose="02000000000000000000" pitchFamily="50" charset="-127"/>
-              </a:rPr>
-              <a:t>.  </a:t>
-            </a:r>
-            <a:r>
-              <a:rPr lang="ko-KR" altLang="en-US" sz="3200">
-                <a:solidFill>
-                  <a:schemeClr val="tx1">
-                    <a:lumMod val="50000"/>
-                    <a:lumOff val="50000"/>
-                  </a:schemeClr>
-                </a:solidFill>
-                <a:latin typeface="G마켓 산스 Medium" panose="02000000000000000000" pitchFamily="50" charset="-127"/>
-                <a:ea typeface="G마켓 산스 Medium" panose="02000000000000000000" pitchFamily="50" charset="-127"/>
-              </a:rPr>
-              <a:t>이러한 </a:t>
-            </a:r>
-            <a:r>
-              <a:rPr lang="ko-KR" altLang="en-US" sz="3200" dirty="0">
-                <a:solidFill>
-                  <a:schemeClr val="tx1">
-                    <a:lumMod val="50000"/>
-                    <a:lumOff val="50000"/>
-                  </a:schemeClr>
-                </a:solidFill>
-                <a:latin typeface="G마켓 산스 Medium" panose="02000000000000000000" pitchFamily="50" charset="-127"/>
-                <a:ea typeface="G마켓 산스 Medium" panose="02000000000000000000" pitchFamily="50" charset="-127"/>
-              </a:rPr>
-              <a:t>구조를 체계화 해놓은 것이 </a:t>
+              <a:t>이러한 구조를 체계화 해놓은 것이 </a:t>
             </a:r>
             <a:r>
               <a:rPr lang="ko-KR" altLang="en-US" sz="3200" dirty="0" err="1">
@@ -8259,44 +8418,14 @@
               <a:buChar char="-"/>
             </a:pPr>
             <a:r>
-              <a:rPr lang="ko-KR" altLang="en-US" sz="3200" dirty="0" err="1">
+              <a:rPr lang="ko-KR" altLang="en-US" sz="3200" dirty="0">
                 <a:solidFill>
                   <a:srgbClr val="FF0000"/>
                 </a:solidFill>
                 <a:latin typeface="G마켓 산스 Medium" panose="02000000000000000000" pitchFamily="50" charset="-127"/>
                 <a:ea typeface="G마켓 산스 Medium" panose="02000000000000000000" pitchFamily="50" charset="-127"/>
               </a:rPr>
-              <a:t>생성자를</a:t>
-            </a:r>
-            <a:r>
-              <a:rPr lang="ko-KR" altLang="en-US" sz="3200" dirty="0">
-                <a:solidFill>
-                  <a:srgbClr val="FF0000"/>
-                </a:solidFill>
-                <a:latin typeface="G마켓 산스 Medium" panose="02000000000000000000" pitchFamily="50" charset="-127"/>
-                <a:ea typeface="G마켓 산스 Medium" panose="02000000000000000000" pitchFamily="50" charset="-127"/>
-              </a:rPr>
-              <a:t> 직접 </a:t>
-            </a:r>
-            <a:r>
-              <a:rPr lang="ko-KR" altLang="en-US" sz="3200" dirty="0" err="1">
-                <a:solidFill>
-                  <a:srgbClr val="FF0000"/>
-                </a:solidFill>
-                <a:latin typeface="G마켓 산스 Medium" panose="02000000000000000000" pitchFamily="50" charset="-127"/>
-                <a:ea typeface="G마켓 산스 Medium" panose="02000000000000000000" pitchFamily="50" charset="-127"/>
-              </a:rPr>
-              <a:t>사용못하게</a:t>
-            </a:r>
-            <a:r>
-              <a:rPr lang="ko-KR" altLang="en-US" sz="3200" dirty="0">
-                <a:solidFill>
-                  <a:srgbClr val="FF0000"/>
-                </a:solidFill>
-                <a:latin typeface="G마켓 산스 Medium" panose="02000000000000000000" pitchFamily="50" charset="-127"/>
-                <a:ea typeface="G마켓 산스 Medium" panose="02000000000000000000" pitchFamily="50" charset="-127"/>
-              </a:rPr>
-              <a:t> 막아야 한다</a:t>
+              <a:t>생성자를 직접 사용 못하게 막아야 한다</a:t>
             </a:r>
             <a:r>
               <a:rPr lang="en-US" altLang="ko-KR" sz="3200" dirty="0">
@@ -8335,44 +8464,14 @@
               <a:t>() </a:t>
             </a:r>
             <a:r>
-              <a:rPr lang="ko-KR" altLang="en-US" sz="3200" dirty="0" err="1">
+              <a:rPr lang="ko-KR" altLang="en-US" sz="3200" dirty="0">
                 <a:solidFill>
                   <a:srgbClr val="FF0000"/>
                 </a:solidFill>
                 <a:latin typeface="G마켓 산스 Medium" panose="02000000000000000000" pitchFamily="50" charset="-127"/>
                 <a:ea typeface="G마켓 산스 Medium" panose="02000000000000000000" pitchFamily="50" charset="-127"/>
               </a:rPr>
-              <a:t>메서드를</a:t>
-            </a:r>
-            <a:r>
-              <a:rPr lang="ko-KR" altLang="en-US" sz="3200" dirty="0">
-                <a:solidFill>
-                  <a:srgbClr val="FF0000"/>
-                </a:solidFill>
-                <a:latin typeface="G마켓 산스 Medium" panose="02000000000000000000" pitchFamily="50" charset="-127"/>
-                <a:ea typeface="G마켓 산스 Medium" panose="02000000000000000000" pitchFamily="50" charset="-127"/>
-              </a:rPr>
-              <a:t> 통해서만 객체를 </a:t>
-            </a:r>
-            <a:r>
-              <a:rPr lang="ko-KR" altLang="en-US" sz="3200" dirty="0" err="1">
-                <a:solidFill>
-                  <a:srgbClr val="FF0000"/>
-                </a:solidFill>
-                <a:latin typeface="G마켓 산스 Medium" panose="02000000000000000000" pitchFamily="50" charset="-127"/>
-                <a:ea typeface="G마켓 산스 Medium" panose="02000000000000000000" pitchFamily="50" charset="-127"/>
-              </a:rPr>
-              <a:t>가져갈수</a:t>
-            </a:r>
-            <a:r>
-              <a:rPr lang="ko-KR" altLang="en-US" sz="3200" dirty="0">
-                <a:solidFill>
-                  <a:srgbClr val="FF0000"/>
-                </a:solidFill>
-                <a:latin typeface="G마켓 산스 Medium" panose="02000000000000000000" pitchFamily="50" charset="-127"/>
-                <a:ea typeface="G마켓 산스 Medium" panose="02000000000000000000" pitchFamily="50" charset="-127"/>
-              </a:rPr>
-              <a:t> 있도록 해야 한다</a:t>
+              <a:t>메서드를 통해서만 객체를 가져 갈수 있도록 해야 한다</a:t>
             </a:r>
             <a:r>
               <a:rPr lang="en-US" altLang="ko-KR" sz="3200" dirty="0">
@@ -8436,8 +8535,8 @@
         </p:blipFill>
         <p:spPr>
           <a:xfrm>
-            <a:off x="228600" y="6362700"/>
-            <a:ext cx="9062618" cy="3886200"/>
+            <a:off x="428171" y="6438900"/>
+            <a:ext cx="7848600" cy="3365609"/>
           </a:xfrm>
           <a:prstGeom prst="rect">
             <a:avLst/>
@@ -8460,7 +8559,7 @@
         </p:blipFill>
         <p:spPr>
           <a:xfrm>
-            <a:off x="9601200" y="6423074"/>
+            <a:off x="8886371" y="6438900"/>
             <a:ext cx="8026195" cy="2530426"/>
           </a:xfrm>
           <a:prstGeom prst="rect">
@@ -9015,7 +9114,7 @@
         </p:nvSpPr>
         <p:spPr>
           <a:xfrm>
-            <a:off x="3810000" y="3009900"/>
+            <a:off x="2590800" y="1788974"/>
             <a:ext cx="11049000" cy="830997"/>
           </a:xfrm>
           <a:prstGeom prst="rect">
@@ -9076,7 +9175,7 @@
         </p:nvSpPr>
         <p:spPr>
           <a:xfrm>
-            <a:off x="2590800" y="4229100"/>
+            <a:off x="1371600" y="3008174"/>
             <a:ext cx="13183417" cy="646331"/>
           </a:xfrm>
           <a:prstGeom prst="rect">
@@ -9207,7 +9306,7 @@
         </p:nvSpPr>
         <p:spPr>
           <a:xfrm>
-            <a:off x="2590800" y="5372100"/>
+            <a:off x="1371600" y="4151174"/>
             <a:ext cx="15925800" cy="1200329"/>
           </a:xfrm>
           <a:prstGeom prst="rect">
